--- a/Part C/Part C Presentation.pptx
+++ b/Part C/Part C Presentation.pptx
@@ -136,19 +136,53 @@
 <file path=ppt/revisionInfo.xml><?xml version="1.0" encoding="utf-8"?>
 <p1510:revInfo xmlns:a="http://schemas.openxmlformats.org/drawingml/2006/main" xmlns:r="http://schemas.openxmlformats.org/officeDocument/2006/relationships" xmlns:p1510="http://schemas.microsoft.com/office/powerpoint/2015/10/main">
   <p1510:revLst>
-    <p1510:client id="{0A9E9A7D-AE1C-7D1E-FA11-18DC36666AF3}" v="742" dt="2025-03-12T03:30:32.985"/>
-    <p1510:client id="{2632BCE6-3F80-9CCD-A18F-67959576D18D}" v="1" dt="2025-03-12T03:13:58.235"/>
-    <p1510:client id="{2E7FA50D-3A9F-7031-D7BE-846BCF5F2DDC}" v="3" dt="2025-03-12T10:51:15.175"/>
-    <p1510:client id="{2F5EAC55-C4C1-8748-AE9C-F934703D45E1}" v="137" dt="2025-03-12T22:18:36.868"/>
-    <p1510:client id="{5516AD95-6C14-0170-B82F-F72532D2830D}" v="6" dt="2025-03-12T03:32:24.485"/>
-    <p1510:client id="{67210523-CCFB-F79F-4318-5F6DF38A079B}" v="23" dt="2025-03-12T20:54:36.359"/>
-    <p1510:client id="{6B350B23-36C6-7D44-6261-909AC0EFD469}" v="5" dt="2025-03-12T03:33:02.677"/>
-    <p1510:client id="{884CA455-2660-9974-D5B3-E893F083A2A4}" v="4" dt="2025-03-12T03:29:44.604"/>
-    <p1510:client id="{A292B8FC-9FC5-4821-A8F1-AC4A32B8A347}" v="78" dt="2025-03-12T03:52:39.957"/>
-    <p1510:client id="{DCB3D117-175E-9D4B-E7C4-EABFD94A36FA}" v="15" dt="2025-03-12T12:21:44.853"/>
-    <p1510:client id="{E4954E79-3CCB-E6AE-035C-3C49BFAA5761}" v="10" dt="2025-03-11T22:23:22.619"/>
+    <p1510:client id="{3DEA420C-B04B-7B42-9221-E95FFE17A0E9}" v="19" dt="2025-03-13T01:28:26.041"/>
   </p1510:revLst>
 </p1510:revInfo>
+</file>
+
+<file path=ppt/changesInfos/changesInfo1.xml><?xml version="1.0" encoding="utf-8"?>
+<pc:chgInfo xmlns:a="http://schemas.openxmlformats.org/drawingml/2006/main" xmlns:r="http://schemas.openxmlformats.org/officeDocument/2006/relationships" xmlns:ac="http://schemas.microsoft.com/office/drawing/2013/main/command" xmlns:pc="http://schemas.microsoft.com/office/powerpoint/2013/main/command">
+  <pc:docChgLst>
+    <pc:chgData name="Marcus Dashoff" userId="ae0ffb97-7272-4f6b-915c-881e1ad740cc" providerId="ADAL" clId="{3DEA420C-B04B-7B42-9221-E95FFE17A0E9}"/>
+    <pc:docChg chg="modSld">
+      <pc:chgData name="Marcus Dashoff" userId="ae0ffb97-7272-4f6b-915c-881e1ad740cc" providerId="ADAL" clId="{3DEA420C-B04B-7B42-9221-E95FFE17A0E9}" dt="2025-03-13T01:34:27.849" v="7" actId="20577"/>
+      <pc:docMkLst>
+        <pc:docMk/>
+      </pc:docMkLst>
+      <pc:sldChg chg="modSp">
+        <pc:chgData name="Marcus Dashoff" userId="ae0ffb97-7272-4f6b-915c-881e1ad740cc" providerId="ADAL" clId="{3DEA420C-B04B-7B42-9221-E95FFE17A0E9}" dt="2025-03-13T01:28:26.041" v="0" actId="1038"/>
+        <pc:sldMkLst>
+          <pc:docMk/>
+          <pc:sldMk cId="109857222" sldId="256"/>
+        </pc:sldMkLst>
+        <pc:picChg chg="mod">
+          <ac:chgData name="Marcus Dashoff" userId="ae0ffb97-7272-4f6b-915c-881e1ad740cc" providerId="ADAL" clId="{3DEA420C-B04B-7B42-9221-E95FFE17A0E9}" dt="2025-03-13T01:28:26.041" v="0" actId="1038"/>
+          <ac:picMkLst>
+            <pc:docMk/>
+            <pc:sldMk cId="109857222" sldId="256"/>
+            <ac:picMk id="1028" creationId="{77B0D35E-506B-16CC-8ECC-CB8BA3F822BF}"/>
+          </ac:picMkLst>
+        </pc:picChg>
+      </pc:sldChg>
+      <pc:sldChg chg="modSp mod">
+        <pc:chgData name="Marcus Dashoff" userId="ae0ffb97-7272-4f6b-915c-881e1ad740cc" providerId="ADAL" clId="{3DEA420C-B04B-7B42-9221-E95FFE17A0E9}" dt="2025-03-13T01:34:27.849" v="7" actId="20577"/>
+        <pc:sldMkLst>
+          <pc:docMk/>
+          <pc:sldMk cId="675048319" sldId="275"/>
+        </pc:sldMkLst>
+        <pc:spChg chg="mod">
+          <ac:chgData name="Marcus Dashoff" userId="ae0ffb97-7272-4f6b-915c-881e1ad740cc" providerId="ADAL" clId="{3DEA420C-B04B-7B42-9221-E95FFE17A0E9}" dt="2025-03-13T01:34:27.849" v="7" actId="20577"/>
+          <ac:spMkLst>
+            <pc:docMk/>
+            <pc:sldMk cId="675048319" sldId="275"/>
+            <ac:spMk id="2" creationId="{E406F5E2-9818-E38D-149B-0152A2C0AD06}"/>
+          </ac:spMkLst>
+        </pc:spChg>
+      </pc:sldChg>
+    </pc:docChg>
+  </pc:docChgLst>
+</pc:chgInfo>
 </file>
 
 <file path=ppt/diagrams/colors1.xml><?xml version="1.0" encoding="utf-8"?>
@@ -7318,6 +7352,9 @@
         <a:lstStyle/>
         <a:p>
           <a:pPr>
+            <a:lnSpc>
+              <a:spcPct val="100000"/>
+            </a:lnSpc>
             <a:defRPr cap="all"/>
           </a:pPr>
           <a:r>
@@ -7357,12 +7394,28 @@
         <a:lstStyle/>
         <a:p>
           <a:pPr>
+            <a:lnSpc>
+              <a:spcPct val="100000"/>
+            </a:lnSpc>
+            <a:defRPr cap="all"/>
+          </a:pPr>
+          <a:r>
+            <a:rPr lang="en-US" dirty="0"/>
+            <a:t>Planning Poker</a:t>
+          </a:r>
+        </a:p>
+        <a:p>
+          <a:pPr>
+            <a:lnSpc>
+              <a:spcPct val="100000"/>
+            </a:lnSpc>
             <a:defRPr cap="all"/>
           </a:pPr>
           <a:r>
             <a:rPr lang="en-US"/>
-            <a:t>Planning Poker</a:t>
+            <a:t>(Convergence) </a:t>
           </a:r>
+          <a:endParaRPr lang="en-US" dirty="0"/>
         </a:p>
       </dgm:t>
     </dgm:pt>
@@ -7396,6 +7449,9 @@
         <a:lstStyle/>
         <a:p>
           <a:pPr>
+            <a:lnSpc>
+              <a:spcPct val="100000"/>
+            </a:lnSpc>
             <a:defRPr cap="all"/>
           </a:pPr>
           <a:r>
@@ -7405,6 +7461,9 @@
         </a:p>
         <a:p>
           <a:pPr>
+            <a:lnSpc>
+              <a:spcPct val="100000"/>
+            </a:lnSpc>
             <a:defRPr cap="all"/>
           </a:pPr>
           <a:r>
@@ -7444,6 +7503,9 @@
         <a:lstStyle/>
         <a:p>
           <a:pPr>
+            <a:lnSpc>
+              <a:spcPct val="100000"/>
+            </a:lnSpc>
             <a:defRPr cap="all"/>
           </a:pPr>
           <a:r>
@@ -7453,6 +7515,9 @@
         </a:p>
         <a:p>
           <a:pPr>
+            <a:lnSpc>
+              <a:spcPct val="100000"/>
+            </a:lnSpc>
             <a:defRPr cap="all"/>
           </a:pPr>
           <a:r>
@@ -7462,6 +7527,9 @@
         </a:p>
         <a:p>
           <a:pPr>
+            <a:lnSpc>
+              <a:spcPct val="100000"/>
+            </a:lnSpc>
             <a:defRPr cap="all"/>
           </a:pPr>
           <a:r>
@@ -7501,6 +7569,9 @@
         <a:lstStyle/>
         <a:p>
           <a:pPr>
+            <a:lnSpc>
+              <a:spcPct val="100000"/>
+            </a:lnSpc>
             <a:defRPr cap="all"/>
           </a:pPr>
           <a:r>
@@ -7510,6 +7581,9 @@
         </a:p>
         <a:p>
           <a:pPr>
+            <a:lnSpc>
+              <a:spcPct val="100000"/>
+            </a:lnSpc>
             <a:defRPr cap="all"/>
           </a:pPr>
           <a:r>
@@ -7549,6 +7623,9 @@
         <a:lstStyle/>
         <a:p>
           <a:pPr>
+            <a:lnSpc>
+              <a:spcPct val="100000"/>
+            </a:lnSpc>
             <a:defRPr cap="all"/>
           </a:pPr>
           <a:r>
@@ -7588,6 +7665,9 @@
         <a:lstStyle/>
         <a:p>
           <a:pPr>
+            <a:lnSpc>
+              <a:spcPct val="100000"/>
+            </a:lnSpc>
             <a:defRPr cap="all"/>
           </a:pPr>
           <a:r>
@@ -7627,6 +7707,9 @@
         <a:lstStyle/>
         <a:p>
           <a:pPr>
+            <a:lnSpc>
+              <a:spcPct val="100000"/>
+            </a:lnSpc>
             <a:defRPr cap="all"/>
           </a:pPr>
           <a:r>
@@ -7636,6 +7719,9 @@
         </a:p>
         <a:p>
           <a:pPr>
+            <a:lnSpc>
+              <a:spcPct val="100000"/>
+            </a:lnSpc>
             <a:defRPr cap="all"/>
           </a:pPr>
           <a:r>
@@ -8098,70 +8184,70 @@
     </dgm:pt>
   </dgm:ptLst>
   <dgm:cxnLst>
-    <dgm:cxn modelId="{95DDCF04-445C-41FB-A549-27EEDC3A105C}" type="presOf" srcId="{B09CB84D-CD28-4E66-A1FF-C544AA030A97}" destId="{BA8921E3-DE41-4FFE-9A91-EE29EAA7071D}" srcOrd="0" destOrd="0" presId="urn:microsoft.com/office/officeart/2018/5/layout/IconCircleLabelList"/>
-    <dgm:cxn modelId="{1357E609-40F5-49D7-A2EC-FBB4DE163974}" type="presOf" srcId="{79556AFF-9E19-4E95-B57C-6E87B4475676}" destId="{8562EAAB-D8BB-4AB9-906F-D92166872814}" srcOrd="0" destOrd="0" presId="urn:microsoft.com/office/officeart/2018/5/layout/IconCircleLabelList"/>
-    <dgm:cxn modelId="{BCFEA426-E58B-497C-BBC3-3C348A566E56}" type="presOf" srcId="{0EBD8048-D64E-4D62-8031-BFFF805D1390}" destId="{47F6F43B-84AF-48C0-B63F-F164E46223F9}" srcOrd="0" destOrd="0" presId="urn:microsoft.com/office/officeart/2018/5/layout/IconCircleLabelList"/>
+    <dgm:cxn modelId="{BCE1950D-E362-144C-A5C0-EBACBAB087D9}" type="presOf" srcId="{FED32F18-9457-4F32-ABD8-E05F8D44FE92}" destId="{90DB141D-9D04-46BF-9C1F-BBBFD3C7DAB0}" srcOrd="0" destOrd="0" presId="urn:microsoft.com/office/officeart/2018/5/layout/IconCircleLabelList"/>
+    <dgm:cxn modelId="{0EC29122-237B-614A-9DBF-8AF63D5B35C3}" type="presOf" srcId="{B09CB84D-CD28-4E66-A1FF-C544AA030A97}" destId="{BA8921E3-DE41-4FFE-9A91-EE29EAA7071D}" srcOrd="0" destOrd="0" presId="urn:microsoft.com/office/officeart/2018/5/layout/IconCircleLabelList"/>
     <dgm:cxn modelId="{546F6827-9EF4-40CF-B7B0-FA122D47CCFE}" srcId="{9C403DAC-DC55-44FD-9335-D4757CCFE7D2}" destId="{FED32F18-9457-4F32-ABD8-E05F8D44FE92}" srcOrd="3" destOrd="0" parTransId="{38D68F42-C351-467F-B596-AF366E72D7F1}" sibTransId="{822D00D6-8E36-4305-A8E8-EC2D9610A3F7}"/>
+    <dgm:cxn modelId="{FD346333-182D-DB4D-94FC-CB6CF1AD63C7}" type="presOf" srcId="{0EBD8048-D64E-4D62-8031-BFFF805D1390}" destId="{47F6F43B-84AF-48C0-B63F-F164E46223F9}" srcOrd="0" destOrd="0" presId="urn:microsoft.com/office/officeart/2018/5/layout/IconCircleLabelList"/>
     <dgm:cxn modelId="{C0E01545-C198-4260-B207-28E9251A87DF}" srcId="{9C403DAC-DC55-44FD-9335-D4757CCFE7D2}" destId="{F49163F5-0BDB-41CF-B18C-B27A50C64152}" srcOrd="2" destOrd="0" parTransId="{0D1BAF33-CD12-4176-B759-2D04CA5811C4}" sibTransId="{3B7228EC-EB74-4ADB-9BA9-B48300FF85E9}"/>
     <dgm:cxn modelId="{048A114D-D82E-4098-9C9C-3CB52408F1B0}" srcId="{9C403DAC-DC55-44FD-9335-D4757CCFE7D2}" destId="{9F185827-4164-4202-9A37-9C1F9963204D}" srcOrd="5" destOrd="0" parTransId="{9FC8B170-FC99-4457-A7E7-ABBD12792FCE}" sibTransId="{E2D2357F-9421-424C-B6CB-19B5D21FCECD}"/>
-    <dgm:cxn modelId="{1328844F-A2E6-F54B-AD7A-64248944F762}" type="presOf" srcId="{F49163F5-0BDB-41CF-B18C-B27A50C64152}" destId="{E4F3F074-CCE7-5347-B85E-3A5704876DAA}" srcOrd="0" destOrd="0" presId="urn:microsoft.com/office/officeart/2018/5/layout/IconCircleLabelList"/>
+    <dgm:cxn modelId="{FB23F14F-F4BB-6047-8CBB-0AF7F644FB00}" type="presOf" srcId="{F4BA575B-580F-4E56-AE66-AF645ED3E9B3}" destId="{CBA94A46-174A-41F8-B410-A0A55382FDC7}" srcOrd="0" destOrd="0" presId="urn:microsoft.com/office/officeart/2018/5/layout/IconCircleLabelList"/>
+    <dgm:cxn modelId="{E241B85B-B654-AE44-A29D-BAD0FC54DC51}" type="presOf" srcId="{F49163F5-0BDB-41CF-B18C-B27A50C64152}" destId="{E4F3F074-CCE7-5347-B85E-3A5704876DAA}" srcOrd="0" destOrd="0" presId="urn:microsoft.com/office/officeart/2018/5/layout/IconCircleLabelList"/>
     <dgm:cxn modelId="{E4FCFE64-5DCC-4501-AD89-3F6CF9AA7FF8}" srcId="{9C403DAC-DC55-44FD-9335-D4757CCFE7D2}" destId="{D48D8354-2412-434E-9341-0657E8130A47}" srcOrd="0" destOrd="0" parTransId="{04C16B88-DE7F-407C-8784-625317DA2AC7}" sibTransId="{40E33EBE-682E-4A8D-8669-2C9EED95EEF9}"/>
     <dgm:cxn modelId="{53F8026C-A7C5-4FE8-B1EF-BE83D8F57044}" srcId="{9C403DAC-DC55-44FD-9335-D4757CCFE7D2}" destId="{79556AFF-9E19-4E95-B57C-6E87B4475676}" srcOrd="6" destOrd="0" parTransId="{54AB379E-E632-4C3E-BC11-30FB0449D55E}" sibTransId="{96B02057-66FA-4CFC-BB4A-84A2BA61B9B8}"/>
-    <dgm:cxn modelId="{2263396E-62D8-4258-9B0B-52A2C855899C}" type="presOf" srcId="{9C403DAC-DC55-44FD-9335-D4757CCFE7D2}" destId="{402D60AF-05AE-4958-88AB-2925C29E3C81}" srcOrd="0" destOrd="0" presId="urn:microsoft.com/office/officeart/2018/5/layout/IconCircleLabelList"/>
+    <dgm:cxn modelId="{19FD928A-33F5-AB4C-A529-53833D08D02A}" type="presOf" srcId="{D48D8354-2412-434E-9341-0657E8130A47}" destId="{19AC9F06-67FA-4306-9176-EE5554EB915D}" srcOrd="0" destOrd="0" presId="urn:microsoft.com/office/officeart/2018/5/layout/IconCircleLabelList"/>
     <dgm:cxn modelId="{B12DDB90-BA98-4CB1-9C9B-CE94736E3C33}" srcId="{9C403DAC-DC55-44FD-9335-D4757CCFE7D2}" destId="{F4BA575B-580F-4E56-AE66-AF645ED3E9B3}" srcOrd="4" destOrd="0" parTransId="{9A6F8CA7-316F-423C-A136-04B4E4BB3859}" sibTransId="{7911A936-7BDE-42A6-BF5B-ADE7A274C0D6}"/>
-    <dgm:cxn modelId="{8D575D9D-A084-4D79-A0FF-33F8232F0EF4}" type="presOf" srcId="{D48D8354-2412-434E-9341-0657E8130A47}" destId="{19AC9F06-67FA-4306-9176-EE5554EB915D}" srcOrd="0" destOrd="0" presId="urn:microsoft.com/office/officeart/2018/5/layout/IconCircleLabelList"/>
     <dgm:cxn modelId="{104DBEAD-0F51-4A21-9FEC-21BE7EA0030F}" srcId="{9C403DAC-DC55-44FD-9335-D4757CCFE7D2}" destId="{B09CB84D-CD28-4E66-A1FF-C544AA030A97}" srcOrd="1" destOrd="0" parTransId="{1F8E23FF-8E18-42CE-9250-02B2F296B79C}" sibTransId="{469C1018-FFFD-4730-B217-369701EA00EA}"/>
+    <dgm:cxn modelId="{5A164FAE-C6B0-A044-A3BA-E1EEE4C033D7}" type="presOf" srcId="{9F185827-4164-4202-9A37-9C1F9963204D}" destId="{137B08BF-D58B-4935-8200-4D4E7ECF7875}" srcOrd="0" destOrd="0" presId="urn:microsoft.com/office/officeart/2018/5/layout/IconCircleLabelList"/>
     <dgm:cxn modelId="{46A8BBB1-91BA-421E-8305-44EC0D980ED3}" srcId="{9C403DAC-DC55-44FD-9335-D4757CCFE7D2}" destId="{0EBD8048-D64E-4D62-8031-BFFF805D1390}" srcOrd="7" destOrd="0" parTransId="{6F9AF1A6-0BA4-4D89-8091-07C1274B7844}" sibTransId="{01739295-C5CB-4F21-A7CE-A2775EBA6C51}"/>
-    <dgm:cxn modelId="{E3BA3DC0-F5B0-4A22-9AEB-14172988E141}" type="presOf" srcId="{FED32F18-9457-4F32-ABD8-E05F8D44FE92}" destId="{90DB141D-9D04-46BF-9C1F-BBBFD3C7DAB0}" srcOrd="0" destOrd="0" presId="urn:microsoft.com/office/officeart/2018/5/layout/IconCircleLabelList"/>
-    <dgm:cxn modelId="{F7AB01F3-044B-4CEE-9CE2-D0E2D88BCB80}" type="presOf" srcId="{F4BA575B-580F-4E56-AE66-AF645ED3E9B3}" destId="{CBA94A46-174A-41F8-B410-A0A55382FDC7}" srcOrd="0" destOrd="0" presId="urn:microsoft.com/office/officeart/2018/5/layout/IconCircleLabelList"/>
-    <dgm:cxn modelId="{21CB09FB-46E6-41DC-9999-24AD603F485D}" type="presOf" srcId="{9F185827-4164-4202-9A37-9C1F9963204D}" destId="{137B08BF-D58B-4935-8200-4D4E7ECF7875}" srcOrd="0" destOrd="0" presId="urn:microsoft.com/office/officeart/2018/5/layout/IconCircleLabelList"/>
-    <dgm:cxn modelId="{C3318752-3335-4709-9575-1E7E97723F5E}" type="presParOf" srcId="{402D60AF-05AE-4958-88AB-2925C29E3C81}" destId="{3A8E844E-BBAC-4988-A407-8C244BF88B04}" srcOrd="0" destOrd="0" presId="urn:microsoft.com/office/officeart/2018/5/layout/IconCircleLabelList"/>
-    <dgm:cxn modelId="{AE4DB53D-2AB8-4275-AD91-479A80D0D1ED}" type="presParOf" srcId="{3A8E844E-BBAC-4988-A407-8C244BF88B04}" destId="{C23E10AC-59F4-4100-A9E8-BB3BEF956724}" srcOrd="0" destOrd="0" presId="urn:microsoft.com/office/officeart/2018/5/layout/IconCircleLabelList"/>
-    <dgm:cxn modelId="{BB989B06-ACA7-4380-BCC5-53E7C077DA2D}" type="presParOf" srcId="{3A8E844E-BBAC-4988-A407-8C244BF88B04}" destId="{0E7F3F73-7F2A-4393-AD6E-89914593CFD4}" srcOrd="1" destOrd="0" presId="urn:microsoft.com/office/officeart/2018/5/layout/IconCircleLabelList"/>
-    <dgm:cxn modelId="{E6E510FC-FF1F-4DED-B8E4-055DABA9145A}" type="presParOf" srcId="{3A8E844E-BBAC-4988-A407-8C244BF88B04}" destId="{F9F80086-56A4-4D80-9820-6C3760598D84}" srcOrd="2" destOrd="0" presId="urn:microsoft.com/office/officeart/2018/5/layout/IconCircleLabelList"/>
-    <dgm:cxn modelId="{902EE632-5144-444B-9DC4-5C2B03D8A577}" type="presParOf" srcId="{3A8E844E-BBAC-4988-A407-8C244BF88B04}" destId="{19AC9F06-67FA-4306-9176-EE5554EB915D}" srcOrd="3" destOrd="0" presId="urn:microsoft.com/office/officeart/2018/5/layout/IconCircleLabelList"/>
-    <dgm:cxn modelId="{9263D5FB-2DAB-4722-8032-6D503DF9D799}" type="presParOf" srcId="{402D60AF-05AE-4958-88AB-2925C29E3C81}" destId="{A24B6A14-240C-4739-973A-464543F54292}" srcOrd="1" destOrd="0" presId="urn:microsoft.com/office/officeart/2018/5/layout/IconCircleLabelList"/>
-    <dgm:cxn modelId="{ECF1E68A-F5D1-4236-B604-0416A375C07E}" type="presParOf" srcId="{402D60AF-05AE-4958-88AB-2925C29E3C81}" destId="{AEA064B0-0930-4566-A048-CD503C707BFE}" srcOrd="2" destOrd="0" presId="urn:microsoft.com/office/officeart/2018/5/layout/IconCircleLabelList"/>
-    <dgm:cxn modelId="{1EBF0874-1186-4163-9B9D-D50F8A2A8B83}" type="presParOf" srcId="{AEA064B0-0930-4566-A048-CD503C707BFE}" destId="{E2EE4138-7BB8-493F-A16D-322976639552}" srcOrd="0" destOrd="0" presId="urn:microsoft.com/office/officeart/2018/5/layout/IconCircleLabelList"/>
-    <dgm:cxn modelId="{D648765E-2DC2-446C-91ED-E03831C5A5F8}" type="presParOf" srcId="{AEA064B0-0930-4566-A048-CD503C707BFE}" destId="{31E23395-8569-46C6-95D7-9A6743D61750}" srcOrd="1" destOrd="0" presId="urn:microsoft.com/office/officeart/2018/5/layout/IconCircleLabelList"/>
-    <dgm:cxn modelId="{D47FD0DF-C625-4742-B408-17DB9DE2A976}" type="presParOf" srcId="{AEA064B0-0930-4566-A048-CD503C707BFE}" destId="{EFD25677-F54A-46E8-91E8-8ED44DF73585}" srcOrd="2" destOrd="0" presId="urn:microsoft.com/office/officeart/2018/5/layout/IconCircleLabelList"/>
-    <dgm:cxn modelId="{E31FBD23-B73E-40FB-B1F9-69DBA991DA58}" type="presParOf" srcId="{AEA064B0-0930-4566-A048-CD503C707BFE}" destId="{BA8921E3-DE41-4FFE-9A91-EE29EAA7071D}" srcOrd="3" destOrd="0" presId="urn:microsoft.com/office/officeart/2018/5/layout/IconCircleLabelList"/>
-    <dgm:cxn modelId="{90E2D40F-2ACB-40F2-BCAC-2B668C8E8635}" type="presParOf" srcId="{402D60AF-05AE-4958-88AB-2925C29E3C81}" destId="{99988574-8DFE-41C4-AB13-11DBD398B77F}" srcOrd="3" destOrd="0" presId="urn:microsoft.com/office/officeart/2018/5/layout/IconCircleLabelList"/>
-    <dgm:cxn modelId="{A6CF902A-77D1-4549-A4EC-8ED8081325ED}" type="presParOf" srcId="{402D60AF-05AE-4958-88AB-2925C29E3C81}" destId="{18E4C877-4708-0941-B6AB-716F7F70E0F0}" srcOrd="4" destOrd="0" presId="urn:microsoft.com/office/officeart/2018/5/layout/IconCircleLabelList"/>
-    <dgm:cxn modelId="{9482EC6F-DC36-9B4D-820C-2A3A53D43897}" type="presParOf" srcId="{18E4C877-4708-0941-B6AB-716F7F70E0F0}" destId="{F3911471-BDC0-0F4D-8FF1-1DED77D1091E}" srcOrd="0" destOrd="0" presId="urn:microsoft.com/office/officeart/2018/5/layout/IconCircleLabelList"/>
-    <dgm:cxn modelId="{7CAEF52C-8F80-714C-986F-8CBCD44510AA}" type="presParOf" srcId="{18E4C877-4708-0941-B6AB-716F7F70E0F0}" destId="{2FE6C2E5-5205-184F-8605-376DC3329B5E}" srcOrd="1" destOrd="0" presId="urn:microsoft.com/office/officeart/2018/5/layout/IconCircleLabelList"/>
-    <dgm:cxn modelId="{FDA32B92-E8EC-C34A-8DF7-30334894985A}" type="presParOf" srcId="{18E4C877-4708-0941-B6AB-716F7F70E0F0}" destId="{2269E632-9055-2941-872D-03EF98C507ED}" srcOrd="2" destOrd="0" presId="urn:microsoft.com/office/officeart/2018/5/layout/IconCircleLabelList"/>
-    <dgm:cxn modelId="{CB968ADB-C0F5-0A4D-B3CB-195FF90F6AD3}" type="presParOf" srcId="{18E4C877-4708-0941-B6AB-716F7F70E0F0}" destId="{E4F3F074-CCE7-5347-B85E-3A5704876DAA}" srcOrd="3" destOrd="0" presId="urn:microsoft.com/office/officeart/2018/5/layout/IconCircleLabelList"/>
-    <dgm:cxn modelId="{BAACD119-6E08-154E-8BCF-C13E8830B3B8}" type="presParOf" srcId="{402D60AF-05AE-4958-88AB-2925C29E3C81}" destId="{C37EA860-E227-B141-9A81-2091F00B1FD0}" srcOrd="5" destOrd="0" presId="urn:microsoft.com/office/officeart/2018/5/layout/IconCircleLabelList"/>
-    <dgm:cxn modelId="{C8C38118-81FB-41D0-AEBF-593D35CBB413}" type="presParOf" srcId="{402D60AF-05AE-4958-88AB-2925C29E3C81}" destId="{71270627-6874-4BBF-A4A2-FABFAE2ACC3F}" srcOrd="6" destOrd="0" presId="urn:microsoft.com/office/officeart/2018/5/layout/IconCircleLabelList"/>
-    <dgm:cxn modelId="{6C3F4727-80B7-475E-9612-71A76951CF0C}" type="presParOf" srcId="{71270627-6874-4BBF-A4A2-FABFAE2ACC3F}" destId="{1C6EBD5E-1F85-40A4-AB5B-B7D852BED2D9}" srcOrd="0" destOrd="0" presId="urn:microsoft.com/office/officeart/2018/5/layout/IconCircleLabelList"/>
-    <dgm:cxn modelId="{73D1E0CE-71D1-4862-BEA1-9DAC82F9B015}" type="presParOf" srcId="{71270627-6874-4BBF-A4A2-FABFAE2ACC3F}" destId="{FD0979BE-AFC1-49C6-A4B9-D7A4F502A008}" srcOrd="1" destOrd="0" presId="urn:microsoft.com/office/officeart/2018/5/layout/IconCircleLabelList"/>
-    <dgm:cxn modelId="{E81BD79D-3359-4C16-BFA1-57562314269D}" type="presParOf" srcId="{71270627-6874-4BBF-A4A2-FABFAE2ACC3F}" destId="{4D92C6FD-3CD1-402E-B99D-15376CAD73FD}" srcOrd="2" destOrd="0" presId="urn:microsoft.com/office/officeart/2018/5/layout/IconCircleLabelList"/>
-    <dgm:cxn modelId="{D97D6DA2-1E1D-4334-BDE0-A8010D0090C7}" type="presParOf" srcId="{71270627-6874-4BBF-A4A2-FABFAE2ACC3F}" destId="{90DB141D-9D04-46BF-9C1F-BBBFD3C7DAB0}" srcOrd="3" destOrd="0" presId="urn:microsoft.com/office/officeart/2018/5/layout/IconCircleLabelList"/>
-    <dgm:cxn modelId="{79E28D0A-DF25-47D5-A9DC-651D949A36E3}" type="presParOf" srcId="{402D60AF-05AE-4958-88AB-2925C29E3C81}" destId="{8C297E7E-D2BE-4338-B376-260149FC9E97}" srcOrd="7" destOrd="0" presId="urn:microsoft.com/office/officeart/2018/5/layout/IconCircleLabelList"/>
-    <dgm:cxn modelId="{B003F923-B5AC-4476-95B7-4B8C74CAFE01}" type="presParOf" srcId="{402D60AF-05AE-4958-88AB-2925C29E3C81}" destId="{19C6B763-C17F-4089-BB77-17B3D557AB49}" srcOrd="8" destOrd="0" presId="urn:microsoft.com/office/officeart/2018/5/layout/IconCircleLabelList"/>
-    <dgm:cxn modelId="{984E024D-5BF1-427F-A900-793C521AFE60}" type="presParOf" srcId="{19C6B763-C17F-4089-BB77-17B3D557AB49}" destId="{37BA5568-30C1-47AF-A6E3-A03D7320A43B}" srcOrd="0" destOrd="0" presId="urn:microsoft.com/office/officeart/2018/5/layout/IconCircleLabelList"/>
-    <dgm:cxn modelId="{59514166-406C-4D91-B16F-BF0D482DF036}" type="presParOf" srcId="{19C6B763-C17F-4089-BB77-17B3D557AB49}" destId="{DCB98D7D-D35D-44D8-9CE1-A08057415727}" srcOrd="1" destOrd="0" presId="urn:microsoft.com/office/officeart/2018/5/layout/IconCircleLabelList"/>
-    <dgm:cxn modelId="{867CDC80-96BC-4162-B595-7B2DFAE6F462}" type="presParOf" srcId="{19C6B763-C17F-4089-BB77-17B3D557AB49}" destId="{1AA109CB-9EAF-4960-9B8B-AA443C8E96FF}" srcOrd="2" destOrd="0" presId="urn:microsoft.com/office/officeart/2018/5/layout/IconCircleLabelList"/>
-    <dgm:cxn modelId="{C0E6539C-1AC2-4F9F-9021-E615670A67B8}" type="presParOf" srcId="{19C6B763-C17F-4089-BB77-17B3D557AB49}" destId="{CBA94A46-174A-41F8-B410-A0A55382FDC7}" srcOrd="3" destOrd="0" presId="urn:microsoft.com/office/officeart/2018/5/layout/IconCircleLabelList"/>
-    <dgm:cxn modelId="{AC94BD30-CA07-4EEC-A32C-16B7603A7845}" type="presParOf" srcId="{402D60AF-05AE-4958-88AB-2925C29E3C81}" destId="{41500828-4A1A-482B-BE23-40348CAFC555}" srcOrd="9" destOrd="0" presId="urn:microsoft.com/office/officeart/2018/5/layout/IconCircleLabelList"/>
-    <dgm:cxn modelId="{347E0F1F-8968-40DB-91E5-A612FCF7F2B7}" type="presParOf" srcId="{402D60AF-05AE-4958-88AB-2925C29E3C81}" destId="{939C1A9E-3B07-48A3-A6E1-D68DAA6B64DF}" srcOrd="10" destOrd="0" presId="urn:microsoft.com/office/officeart/2018/5/layout/IconCircleLabelList"/>
-    <dgm:cxn modelId="{925002AC-7DA3-4F3A-8620-59240D0A00BD}" type="presParOf" srcId="{939C1A9E-3B07-48A3-A6E1-D68DAA6B64DF}" destId="{E3E6D64E-2F24-444F-9C77-73DEE2A6716D}" srcOrd="0" destOrd="0" presId="urn:microsoft.com/office/officeart/2018/5/layout/IconCircleLabelList"/>
-    <dgm:cxn modelId="{ECE60C1E-8A49-4C6D-BCFD-636CC0FF5A24}" type="presParOf" srcId="{939C1A9E-3B07-48A3-A6E1-D68DAA6B64DF}" destId="{E4B69AF8-7052-4350-87E3-BDC58CDE3680}" srcOrd="1" destOrd="0" presId="urn:microsoft.com/office/officeart/2018/5/layout/IconCircleLabelList"/>
-    <dgm:cxn modelId="{2C5E106C-5B01-4A62-A7A7-521459C1058C}" type="presParOf" srcId="{939C1A9E-3B07-48A3-A6E1-D68DAA6B64DF}" destId="{151696A9-E89D-4509-9C15-28C1FDA2C317}" srcOrd="2" destOrd="0" presId="urn:microsoft.com/office/officeart/2018/5/layout/IconCircleLabelList"/>
-    <dgm:cxn modelId="{25E8113F-AFD2-4F24-BA38-34181EAE313C}" type="presParOf" srcId="{939C1A9E-3B07-48A3-A6E1-D68DAA6B64DF}" destId="{137B08BF-D58B-4935-8200-4D4E7ECF7875}" srcOrd="3" destOrd="0" presId="urn:microsoft.com/office/officeart/2018/5/layout/IconCircleLabelList"/>
-    <dgm:cxn modelId="{9B0CD2E8-7665-4C23-9EF6-7D1629BE1C7A}" type="presParOf" srcId="{402D60AF-05AE-4958-88AB-2925C29E3C81}" destId="{2334F8CE-953E-4919-A7DE-2E8801478E24}" srcOrd="11" destOrd="0" presId="urn:microsoft.com/office/officeart/2018/5/layout/IconCircleLabelList"/>
-    <dgm:cxn modelId="{39B9E62E-08F9-430B-BCD7-672CCC90EBD6}" type="presParOf" srcId="{402D60AF-05AE-4958-88AB-2925C29E3C81}" destId="{E60289A5-76F7-4645-9018-9C848D6F62FA}" srcOrd="12" destOrd="0" presId="urn:microsoft.com/office/officeart/2018/5/layout/IconCircleLabelList"/>
-    <dgm:cxn modelId="{22F30B1B-460A-4F5B-81B7-9A6E6628E57E}" type="presParOf" srcId="{E60289A5-76F7-4645-9018-9C848D6F62FA}" destId="{285B2F40-4720-485C-BB23-EEAEE568D00C}" srcOrd="0" destOrd="0" presId="urn:microsoft.com/office/officeart/2018/5/layout/IconCircleLabelList"/>
-    <dgm:cxn modelId="{5E5D4930-4F1E-4396-BF6E-082580B0075D}" type="presParOf" srcId="{E60289A5-76F7-4645-9018-9C848D6F62FA}" destId="{45DAB20A-58CF-453A-94A7-89ABED37AB1D}" srcOrd="1" destOrd="0" presId="urn:microsoft.com/office/officeart/2018/5/layout/IconCircleLabelList"/>
-    <dgm:cxn modelId="{199C982C-78CD-4EAD-BA8B-BD27868E4F2D}" type="presParOf" srcId="{E60289A5-76F7-4645-9018-9C848D6F62FA}" destId="{4CE0C492-7A53-446D-9B56-951CCAD5B6C4}" srcOrd="2" destOrd="0" presId="urn:microsoft.com/office/officeart/2018/5/layout/IconCircleLabelList"/>
-    <dgm:cxn modelId="{EBD678BD-5616-47DA-94DD-240B31D4958D}" type="presParOf" srcId="{E60289A5-76F7-4645-9018-9C848D6F62FA}" destId="{8562EAAB-D8BB-4AB9-906F-D92166872814}" srcOrd="3" destOrd="0" presId="urn:microsoft.com/office/officeart/2018/5/layout/IconCircleLabelList"/>
-    <dgm:cxn modelId="{85D2FC7B-7747-4F93-AABE-B88A664601F1}" type="presParOf" srcId="{402D60AF-05AE-4958-88AB-2925C29E3C81}" destId="{6172033E-8BBC-4B01-AEC6-14F15F9CF9EA}" srcOrd="13" destOrd="0" presId="urn:microsoft.com/office/officeart/2018/5/layout/IconCircleLabelList"/>
-    <dgm:cxn modelId="{8D2A4CE1-2879-4211-AE5A-F57906F12F8B}" type="presParOf" srcId="{402D60AF-05AE-4958-88AB-2925C29E3C81}" destId="{E9ABED21-7EB4-42C2-A767-4BE2ABBEE592}" srcOrd="14" destOrd="0" presId="urn:microsoft.com/office/officeart/2018/5/layout/IconCircleLabelList"/>
-    <dgm:cxn modelId="{009F0630-314B-44A8-AB45-07E66314E980}" type="presParOf" srcId="{E9ABED21-7EB4-42C2-A767-4BE2ABBEE592}" destId="{065BC08D-06EA-4254-8184-A2536DD0C671}" srcOrd="0" destOrd="0" presId="urn:microsoft.com/office/officeart/2018/5/layout/IconCircleLabelList"/>
-    <dgm:cxn modelId="{41B522F0-74A7-4EA6-81DC-EC1690A8BAC8}" type="presParOf" srcId="{E9ABED21-7EB4-42C2-A767-4BE2ABBEE592}" destId="{71A0B67E-04DD-4D94-90E5-CB99580F28EC}" srcOrd="1" destOrd="0" presId="urn:microsoft.com/office/officeart/2018/5/layout/IconCircleLabelList"/>
-    <dgm:cxn modelId="{40E9DC67-1FF9-43FE-9B12-A1C406DEEBB1}" type="presParOf" srcId="{E9ABED21-7EB4-42C2-A767-4BE2ABBEE592}" destId="{94F79409-C103-4B5D-8CBA-34226A43C378}" srcOrd="2" destOrd="0" presId="urn:microsoft.com/office/officeart/2018/5/layout/IconCircleLabelList"/>
-    <dgm:cxn modelId="{C029A47C-B91E-4F65-BEFA-942AA10C32BC}" type="presParOf" srcId="{E9ABED21-7EB4-42C2-A767-4BE2ABBEE592}" destId="{47F6F43B-84AF-48C0-B63F-F164E46223F9}" srcOrd="3" destOrd="0" presId="urn:microsoft.com/office/officeart/2018/5/layout/IconCircleLabelList"/>
+    <dgm:cxn modelId="{72CD55C0-1AE7-1D4F-BDA9-F886551D38E5}" type="presOf" srcId="{9C403DAC-DC55-44FD-9335-D4757CCFE7D2}" destId="{402D60AF-05AE-4958-88AB-2925C29E3C81}" srcOrd="0" destOrd="0" presId="urn:microsoft.com/office/officeart/2018/5/layout/IconCircleLabelList"/>
+    <dgm:cxn modelId="{7A7811E9-38DD-D641-BE31-5DBA12ADD1D2}" type="presOf" srcId="{79556AFF-9E19-4E95-B57C-6E87B4475676}" destId="{8562EAAB-D8BB-4AB9-906F-D92166872814}" srcOrd="0" destOrd="0" presId="urn:microsoft.com/office/officeart/2018/5/layout/IconCircleLabelList"/>
+    <dgm:cxn modelId="{9D5CA700-E609-8345-B61C-D02E2397BA61}" type="presParOf" srcId="{402D60AF-05AE-4958-88AB-2925C29E3C81}" destId="{3A8E844E-BBAC-4988-A407-8C244BF88B04}" srcOrd="0" destOrd="0" presId="urn:microsoft.com/office/officeart/2018/5/layout/IconCircleLabelList"/>
+    <dgm:cxn modelId="{851267F6-3CD8-2249-B7CF-C148E18C929E}" type="presParOf" srcId="{3A8E844E-BBAC-4988-A407-8C244BF88B04}" destId="{C23E10AC-59F4-4100-A9E8-BB3BEF956724}" srcOrd="0" destOrd="0" presId="urn:microsoft.com/office/officeart/2018/5/layout/IconCircleLabelList"/>
+    <dgm:cxn modelId="{09A700A3-CCF6-3648-B16B-13BE1A7345FD}" type="presParOf" srcId="{3A8E844E-BBAC-4988-A407-8C244BF88B04}" destId="{0E7F3F73-7F2A-4393-AD6E-89914593CFD4}" srcOrd="1" destOrd="0" presId="urn:microsoft.com/office/officeart/2018/5/layout/IconCircleLabelList"/>
+    <dgm:cxn modelId="{0FE02ECC-CF59-9E45-9AEA-815743554AFC}" type="presParOf" srcId="{3A8E844E-BBAC-4988-A407-8C244BF88B04}" destId="{F9F80086-56A4-4D80-9820-6C3760598D84}" srcOrd="2" destOrd="0" presId="urn:microsoft.com/office/officeart/2018/5/layout/IconCircleLabelList"/>
+    <dgm:cxn modelId="{9AE35103-A73A-5549-AF41-2E5EE9B1AD17}" type="presParOf" srcId="{3A8E844E-BBAC-4988-A407-8C244BF88B04}" destId="{19AC9F06-67FA-4306-9176-EE5554EB915D}" srcOrd="3" destOrd="0" presId="urn:microsoft.com/office/officeart/2018/5/layout/IconCircleLabelList"/>
+    <dgm:cxn modelId="{EE2C9BA8-83C6-B349-B708-CFF788D48A6E}" type="presParOf" srcId="{402D60AF-05AE-4958-88AB-2925C29E3C81}" destId="{A24B6A14-240C-4739-973A-464543F54292}" srcOrd="1" destOrd="0" presId="urn:microsoft.com/office/officeart/2018/5/layout/IconCircleLabelList"/>
+    <dgm:cxn modelId="{1C600513-E7A5-AC45-A80F-E8914DF4B593}" type="presParOf" srcId="{402D60AF-05AE-4958-88AB-2925C29E3C81}" destId="{AEA064B0-0930-4566-A048-CD503C707BFE}" srcOrd="2" destOrd="0" presId="urn:microsoft.com/office/officeart/2018/5/layout/IconCircleLabelList"/>
+    <dgm:cxn modelId="{AD9D6F77-6715-AE48-B1CA-A01481D94277}" type="presParOf" srcId="{AEA064B0-0930-4566-A048-CD503C707BFE}" destId="{E2EE4138-7BB8-493F-A16D-322976639552}" srcOrd="0" destOrd="0" presId="urn:microsoft.com/office/officeart/2018/5/layout/IconCircleLabelList"/>
+    <dgm:cxn modelId="{5EAA3B10-124F-5948-9BE3-25856E9833F4}" type="presParOf" srcId="{AEA064B0-0930-4566-A048-CD503C707BFE}" destId="{31E23395-8569-46C6-95D7-9A6743D61750}" srcOrd="1" destOrd="0" presId="urn:microsoft.com/office/officeart/2018/5/layout/IconCircleLabelList"/>
+    <dgm:cxn modelId="{1F1B25A8-E1CC-F540-8FB3-41EE16AA16DA}" type="presParOf" srcId="{AEA064B0-0930-4566-A048-CD503C707BFE}" destId="{EFD25677-F54A-46E8-91E8-8ED44DF73585}" srcOrd="2" destOrd="0" presId="urn:microsoft.com/office/officeart/2018/5/layout/IconCircleLabelList"/>
+    <dgm:cxn modelId="{74473411-9563-8C44-BC5B-001EC7C42BF5}" type="presParOf" srcId="{AEA064B0-0930-4566-A048-CD503C707BFE}" destId="{BA8921E3-DE41-4FFE-9A91-EE29EAA7071D}" srcOrd="3" destOrd="0" presId="urn:microsoft.com/office/officeart/2018/5/layout/IconCircleLabelList"/>
+    <dgm:cxn modelId="{B6DEDB97-5261-CB4F-8829-31DBDDB4C0E1}" type="presParOf" srcId="{402D60AF-05AE-4958-88AB-2925C29E3C81}" destId="{99988574-8DFE-41C4-AB13-11DBD398B77F}" srcOrd="3" destOrd="0" presId="urn:microsoft.com/office/officeart/2018/5/layout/IconCircleLabelList"/>
+    <dgm:cxn modelId="{1E73301D-30CA-4249-B440-ECC3B94FDC71}" type="presParOf" srcId="{402D60AF-05AE-4958-88AB-2925C29E3C81}" destId="{18E4C877-4708-0941-B6AB-716F7F70E0F0}" srcOrd="4" destOrd="0" presId="urn:microsoft.com/office/officeart/2018/5/layout/IconCircleLabelList"/>
+    <dgm:cxn modelId="{485BE53B-7527-844B-91A1-A4072D3263F0}" type="presParOf" srcId="{18E4C877-4708-0941-B6AB-716F7F70E0F0}" destId="{F3911471-BDC0-0F4D-8FF1-1DED77D1091E}" srcOrd="0" destOrd="0" presId="urn:microsoft.com/office/officeart/2018/5/layout/IconCircleLabelList"/>
+    <dgm:cxn modelId="{6B755448-B1A4-DE40-8E91-A4FD7C24A95D}" type="presParOf" srcId="{18E4C877-4708-0941-B6AB-716F7F70E0F0}" destId="{2FE6C2E5-5205-184F-8605-376DC3329B5E}" srcOrd="1" destOrd="0" presId="urn:microsoft.com/office/officeart/2018/5/layout/IconCircleLabelList"/>
+    <dgm:cxn modelId="{2FCB4B3E-A6CA-684A-90CA-7F74589B07C2}" type="presParOf" srcId="{18E4C877-4708-0941-B6AB-716F7F70E0F0}" destId="{2269E632-9055-2941-872D-03EF98C507ED}" srcOrd="2" destOrd="0" presId="urn:microsoft.com/office/officeart/2018/5/layout/IconCircleLabelList"/>
+    <dgm:cxn modelId="{CDDA52C5-41FF-8F47-A4B0-2D6D42E36B21}" type="presParOf" srcId="{18E4C877-4708-0941-B6AB-716F7F70E0F0}" destId="{E4F3F074-CCE7-5347-B85E-3A5704876DAA}" srcOrd="3" destOrd="0" presId="urn:microsoft.com/office/officeart/2018/5/layout/IconCircleLabelList"/>
+    <dgm:cxn modelId="{A570C834-500A-C148-865D-1A78B292078D}" type="presParOf" srcId="{402D60AF-05AE-4958-88AB-2925C29E3C81}" destId="{C37EA860-E227-B141-9A81-2091F00B1FD0}" srcOrd="5" destOrd="0" presId="urn:microsoft.com/office/officeart/2018/5/layout/IconCircleLabelList"/>
+    <dgm:cxn modelId="{BE7604B4-DC3A-4B46-B8CE-14557EF3CDC7}" type="presParOf" srcId="{402D60AF-05AE-4958-88AB-2925C29E3C81}" destId="{71270627-6874-4BBF-A4A2-FABFAE2ACC3F}" srcOrd="6" destOrd="0" presId="urn:microsoft.com/office/officeart/2018/5/layout/IconCircleLabelList"/>
+    <dgm:cxn modelId="{91FF657B-DACA-3C4E-85FE-F75675F19C74}" type="presParOf" srcId="{71270627-6874-4BBF-A4A2-FABFAE2ACC3F}" destId="{1C6EBD5E-1F85-40A4-AB5B-B7D852BED2D9}" srcOrd="0" destOrd="0" presId="urn:microsoft.com/office/officeart/2018/5/layout/IconCircleLabelList"/>
+    <dgm:cxn modelId="{901D0372-97A0-914A-BAB9-D87ABDAB9034}" type="presParOf" srcId="{71270627-6874-4BBF-A4A2-FABFAE2ACC3F}" destId="{FD0979BE-AFC1-49C6-A4B9-D7A4F502A008}" srcOrd="1" destOrd="0" presId="urn:microsoft.com/office/officeart/2018/5/layout/IconCircleLabelList"/>
+    <dgm:cxn modelId="{C52A156C-778C-054B-B3F5-75780C69E7E7}" type="presParOf" srcId="{71270627-6874-4BBF-A4A2-FABFAE2ACC3F}" destId="{4D92C6FD-3CD1-402E-B99D-15376CAD73FD}" srcOrd="2" destOrd="0" presId="urn:microsoft.com/office/officeart/2018/5/layout/IconCircleLabelList"/>
+    <dgm:cxn modelId="{FF64D35C-16E8-414A-9E8E-1B2355542AFB}" type="presParOf" srcId="{71270627-6874-4BBF-A4A2-FABFAE2ACC3F}" destId="{90DB141D-9D04-46BF-9C1F-BBBFD3C7DAB0}" srcOrd="3" destOrd="0" presId="urn:microsoft.com/office/officeart/2018/5/layout/IconCircleLabelList"/>
+    <dgm:cxn modelId="{04A2DBFF-447F-FF4E-B1A6-7BAD17FB0C39}" type="presParOf" srcId="{402D60AF-05AE-4958-88AB-2925C29E3C81}" destId="{8C297E7E-D2BE-4338-B376-260149FC9E97}" srcOrd="7" destOrd="0" presId="urn:microsoft.com/office/officeart/2018/5/layout/IconCircleLabelList"/>
+    <dgm:cxn modelId="{7925A9E1-C796-DE49-A945-5969CDB18E6B}" type="presParOf" srcId="{402D60AF-05AE-4958-88AB-2925C29E3C81}" destId="{19C6B763-C17F-4089-BB77-17B3D557AB49}" srcOrd="8" destOrd="0" presId="urn:microsoft.com/office/officeart/2018/5/layout/IconCircleLabelList"/>
+    <dgm:cxn modelId="{5943A4E2-F77A-9949-8735-C7BE51AEB69B}" type="presParOf" srcId="{19C6B763-C17F-4089-BB77-17B3D557AB49}" destId="{37BA5568-30C1-47AF-A6E3-A03D7320A43B}" srcOrd="0" destOrd="0" presId="urn:microsoft.com/office/officeart/2018/5/layout/IconCircleLabelList"/>
+    <dgm:cxn modelId="{D520BABF-E949-0240-B5E6-7176913F4132}" type="presParOf" srcId="{19C6B763-C17F-4089-BB77-17B3D557AB49}" destId="{DCB98D7D-D35D-44D8-9CE1-A08057415727}" srcOrd="1" destOrd="0" presId="urn:microsoft.com/office/officeart/2018/5/layout/IconCircleLabelList"/>
+    <dgm:cxn modelId="{92A1A392-63C6-7647-8FA0-4C78AD14A6F2}" type="presParOf" srcId="{19C6B763-C17F-4089-BB77-17B3D557AB49}" destId="{1AA109CB-9EAF-4960-9B8B-AA443C8E96FF}" srcOrd="2" destOrd="0" presId="urn:microsoft.com/office/officeart/2018/5/layout/IconCircleLabelList"/>
+    <dgm:cxn modelId="{949AF1BD-1934-F64D-B3A4-9BF54BCCB865}" type="presParOf" srcId="{19C6B763-C17F-4089-BB77-17B3D557AB49}" destId="{CBA94A46-174A-41F8-B410-A0A55382FDC7}" srcOrd="3" destOrd="0" presId="urn:microsoft.com/office/officeart/2018/5/layout/IconCircleLabelList"/>
+    <dgm:cxn modelId="{64281E70-C778-7E4F-9640-75D60DEE4DA7}" type="presParOf" srcId="{402D60AF-05AE-4958-88AB-2925C29E3C81}" destId="{41500828-4A1A-482B-BE23-40348CAFC555}" srcOrd="9" destOrd="0" presId="urn:microsoft.com/office/officeart/2018/5/layout/IconCircleLabelList"/>
+    <dgm:cxn modelId="{E6EA469A-0854-4540-B937-1DC5C4ADEA56}" type="presParOf" srcId="{402D60AF-05AE-4958-88AB-2925C29E3C81}" destId="{939C1A9E-3B07-48A3-A6E1-D68DAA6B64DF}" srcOrd="10" destOrd="0" presId="urn:microsoft.com/office/officeart/2018/5/layout/IconCircleLabelList"/>
+    <dgm:cxn modelId="{ABE69CE2-166C-7340-8172-D86FC59B8B75}" type="presParOf" srcId="{939C1A9E-3B07-48A3-A6E1-D68DAA6B64DF}" destId="{E3E6D64E-2F24-444F-9C77-73DEE2A6716D}" srcOrd="0" destOrd="0" presId="urn:microsoft.com/office/officeart/2018/5/layout/IconCircleLabelList"/>
+    <dgm:cxn modelId="{868F79AD-06AC-BA4E-963A-6BCAAC2816AF}" type="presParOf" srcId="{939C1A9E-3B07-48A3-A6E1-D68DAA6B64DF}" destId="{E4B69AF8-7052-4350-87E3-BDC58CDE3680}" srcOrd="1" destOrd="0" presId="urn:microsoft.com/office/officeart/2018/5/layout/IconCircleLabelList"/>
+    <dgm:cxn modelId="{51CEC1D6-13C9-EE40-ADAD-B4183E819D5D}" type="presParOf" srcId="{939C1A9E-3B07-48A3-A6E1-D68DAA6B64DF}" destId="{151696A9-E89D-4509-9C15-28C1FDA2C317}" srcOrd="2" destOrd="0" presId="urn:microsoft.com/office/officeart/2018/5/layout/IconCircleLabelList"/>
+    <dgm:cxn modelId="{122C0C6C-A427-5941-8540-997ECE14CACF}" type="presParOf" srcId="{939C1A9E-3B07-48A3-A6E1-D68DAA6B64DF}" destId="{137B08BF-D58B-4935-8200-4D4E7ECF7875}" srcOrd="3" destOrd="0" presId="urn:microsoft.com/office/officeart/2018/5/layout/IconCircleLabelList"/>
+    <dgm:cxn modelId="{2F8A21F9-0D91-EE41-9B51-E1B3B0C978AB}" type="presParOf" srcId="{402D60AF-05AE-4958-88AB-2925C29E3C81}" destId="{2334F8CE-953E-4919-A7DE-2E8801478E24}" srcOrd="11" destOrd="0" presId="urn:microsoft.com/office/officeart/2018/5/layout/IconCircleLabelList"/>
+    <dgm:cxn modelId="{BC436B89-9B84-F740-B326-F28BC95BA309}" type="presParOf" srcId="{402D60AF-05AE-4958-88AB-2925C29E3C81}" destId="{E60289A5-76F7-4645-9018-9C848D6F62FA}" srcOrd="12" destOrd="0" presId="urn:microsoft.com/office/officeart/2018/5/layout/IconCircleLabelList"/>
+    <dgm:cxn modelId="{69A78F22-3C87-4541-8F22-C24589B5EF21}" type="presParOf" srcId="{E60289A5-76F7-4645-9018-9C848D6F62FA}" destId="{285B2F40-4720-485C-BB23-EEAEE568D00C}" srcOrd="0" destOrd="0" presId="urn:microsoft.com/office/officeart/2018/5/layout/IconCircleLabelList"/>
+    <dgm:cxn modelId="{A708E38F-92BA-8542-A423-06347DBE7134}" type="presParOf" srcId="{E60289A5-76F7-4645-9018-9C848D6F62FA}" destId="{45DAB20A-58CF-453A-94A7-89ABED37AB1D}" srcOrd="1" destOrd="0" presId="urn:microsoft.com/office/officeart/2018/5/layout/IconCircleLabelList"/>
+    <dgm:cxn modelId="{A43C74F0-8C36-6444-A348-50AF8EAE47D5}" type="presParOf" srcId="{E60289A5-76F7-4645-9018-9C848D6F62FA}" destId="{4CE0C492-7A53-446D-9B56-951CCAD5B6C4}" srcOrd="2" destOrd="0" presId="urn:microsoft.com/office/officeart/2018/5/layout/IconCircleLabelList"/>
+    <dgm:cxn modelId="{13E350B9-879A-7F47-9B47-B1BFD71F0ED4}" type="presParOf" srcId="{E60289A5-76F7-4645-9018-9C848D6F62FA}" destId="{8562EAAB-D8BB-4AB9-906F-D92166872814}" srcOrd="3" destOrd="0" presId="urn:microsoft.com/office/officeart/2018/5/layout/IconCircleLabelList"/>
+    <dgm:cxn modelId="{600AC41B-DC81-9C49-AE2A-F6862AF6FC48}" type="presParOf" srcId="{402D60AF-05AE-4958-88AB-2925C29E3C81}" destId="{6172033E-8BBC-4B01-AEC6-14F15F9CF9EA}" srcOrd="13" destOrd="0" presId="urn:microsoft.com/office/officeart/2018/5/layout/IconCircleLabelList"/>
+    <dgm:cxn modelId="{522C72E6-1067-3042-870B-436963A50F4D}" type="presParOf" srcId="{402D60AF-05AE-4958-88AB-2925C29E3C81}" destId="{E9ABED21-7EB4-42C2-A767-4BE2ABBEE592}" srcOrd="14" destOrd="0" presId="urn:microsoft.com/office/officeart/2018/5/layout/IconCircleLabelList"/>
+    <dgm:cxn modelId="{7E96612B-7C76-5B47-A3EA-C78DA45886A8}" type="presParOf" srcId="{E9ABED21-7EB4-42C2-A767-4BE2ABBEE592}" destId="{065BC08D-06EA-4254-8184-A2536DD0C671}" srcOrd="0" destOrd="0" presId="urn:microsoft.com/office/officeart/2018/5/layout/IconCircleLabelList"/>
+    <dgm:cxn modelId="{C6074A38-D30C-3340-8C4F-C0CF1F41A267}" type="presParOf" srcId="{E9ABED21-7EB4-42C2-A767-4BE2ABBEE592}" destId="{71A0B67E-04DD-4D94-90E5-CB99580F28EC}" srcOrd="1" destOrd="0" presId="urn:microsoft.com/office/officeart/2018/5/layout/IconCircleLabelList"/>
+    <dgm:cxn modelId="{F7C45F8B-F2BD-C442-B952-2BB33F2D7639}" type="presParOf" srcId="{E9ABED21-7EB4-42C2-A767-4BE2ABBEE592}" destId="{94F79409-C103-4B5D-8CBA-34226A43C378}" srcOrd="2" destOrd="0" presId="urn:microsoft.com/office/officeart/2018/5/layout/IconCircleLabelList"/>
+    <dgm:cxn modelId="{A73C2833-9A07-7348-97A8-87635A17ECC7}" type="presParOf" srcId="{E9ABED21-7EB4-42C2-A767-4BE2ABBEE592}" destId="{47F6F43B-84AF-48C0-B63F-F164E46223F9}" srcOrd="3" destOrd="0" presId="urn:microsoft.com/office/officeart/2018/5/layout/IconCircleLabelList"/>
   </dgm:cxnLst>
   <dgm:bg/>
   <dgm:whole/>
@@ -11418,8 +11504,8 @@
       </dsp:nvSpPr>
       <dsp:spPr>
         <a:xfrm>
-          <a:off x="940832" y="1528"/>
-          <a:ext cx="991845" cy="991845"/>
+          <a:off x="1057507" y="979"/>
+          <a:ext cx="965039" cy="965039"/>
         </a:xfrm>
         <a:prstGeom prst="ellipse">
           <a:avLst/>
@@ -11457,8 +11543,8 @@
       </dsp:nvSpPr>
       <dsp:spPr>
         <a:xfrm>
-          <a:off x="1152209" y="212905"/>
-          <a:ext cx="569091" cy="569091"/>
+          <a:off x="1263171" y="206643"/>
+          <a:ext cx="553710" cy="553710"/>
         </a:xfrm>
         <a:prstGeom prst="rect">
           <a:avLst/>
@@ -11507,8 +11593,8 @@
       </dsp:nvSpPr>
       <dsp:spPr>
         <a:xfrm>
-          <a:off x="623766" y="1302309"/>
-          <a:ext cx="1625976" cy="670715"/>
+          <a:off x="749010" y="1266604"/>
+          <a:ext cx="1582031" cy="711914"/>
         </a:xfrm>
         <a:prstGeom prst="rect">
           <a:avLst/>
@@ -11539,7 +11625,7 @@
         <a:p>
           <a:pPr marL="0" lvl="0" indent="0" algn="ctr" defTabSz="488950">
             <a:lnSpc>
-              <a:spcPct val="90000"/>
+              <a:spcPct val="100000"/>
             </a:lnSpc>
             <a:spcBef>
               <a:spcPct val="0"/>
@@ -11557,8 +11643,8 @@
         </a:p>
       </dsp:txBody>
       <dsp:txXfrm>
-        <a:off x="623766" y="1302309"/>
-        <a:ext cx="1625976" cy="670715"/>
+        <a:off x="749010" y="1266604"/>
+        <a:ext cx="1582031" cy="711914"/>
       </dsp:txXfrm>
     </dsp:sp>
     <dsp:sp modelId="{E2EE4138-7BB8-493F-A16D-322976639552}">
@@ -11568,8 +11654,8 @@
       </dsp:nvSpPr>
       <dsp:spPr>
         <a:xfrm>
-          <a:off x="2851354" y="1528"/>
-          <a:ext cx="991845" cy="991845"/>
+          <a:off x="2916393" y="979"/>
+          <a:ext cx="965039" cy="965039"/>
         </a:xfrm>
         <a:prstGeom prst="ellipse">
           <a:avLst/>
@@ -11607,8 +11693,8 @@
       </dsp:nvSpPr>
       <dsp:spPr>
         <a:xfrm>
-          <a:off x="3062731" y="212905"/>
-          <a:ext cx="569091" cy="569091"/>
+          <a:off x="3122057" y="206643"/>
+          <a:ext cx="553710" cy="553710"/>
         </a:xfrm>
         <a:prstGeom prst="rect">
           <a:avLst/>
@@ -11657,8 +11743,8 @@
       </dsp:nvSpPr>
       <dsp:spPr>
         <a:xfrm>
-          <a:off x="2534289" y="1302309"/>
-          <a:ext cx="1625976" cy="670715"/>
+          <a:off x="2607897" y="1266604"/>
+          <a:ext cx="1582031" cy="711914"/>
         </a:xfrm>
         <a:prstGeom prst="rect">
           <a:avLst/>
@@ -11689,7 +11775,26 @@
         <a:p>
           <a:pPr marL="0" lvl="0" indent="0" algn="ctr" defTabSz="488950">
             <a:lnSpc>
-              <a:spcPct val="90000"/>
+              <a:spcPct val="100000"/>
+            </a:lnSpc>
+            <a:spcBef>
+              <a:spcPct val="0"/>
+            </a:spcBef>
+            <a:spcAft>
+              <a:spcPct val="35000"/>
+            </a:spcAft>
+            <a:buNone/>
+            <a:defRPr cap="all"/>
+          </a:pPr>
+          <a:r>
+            <a:rPr lang="en-US" sz="1100" kern="1200" dirty="0"/>
+            <a:t>Planning Poker</a:t>
+          </a:r>
+        </a:p>
+        <a:p>
+          <a:pPr marL="0" lvl="0" indent="0" algn="ctr" defTabSz="488950">
+            <a:lnSpc>
+              <a:spcPct val="100000"/>
             </a:lnSpc>
             <a:spcBef>
               <a:spcPct val="0"/>
@@ -11702,13 +11807,14 @@
           </a:pPr>
           <a:r>
             <a:rPr lang="en-US" sz="1100" kern="1200"/>
-            <a:t>Planning Poker</a:t>
+            <a:t>(Convergence) </a:t>
           </a:r>
+          <a:endParaRPr lang="en-US" sz="1100" kern="1200" dirty="0"/>
         </a:p>
       </dsp:txBody>
       <dsp:txXfrm>
-        <a:off x="2534289" y="1302309"/>
-        <a:ext cx="1625976" cy="670715"/>
+        <a:off x="2607897" y="1266604"/>
+        <a:ext cx="1582031" cy="711914"/>
       </dsp:txXfrm>
     </dsp:sp>
     <dsp:sp modelId="{F3911471-BDC0-0F4D-8FF1-1DED77D1091E}">
@@ -11718,8 +11824,8 @@
       </dsp:nvSpPr>
       <dsp:spPr>
         <a:xfrm>
-          <a:off x="4761877" y="1528"/>
-          <a:ext cx="991845" cy="991845"/>
+          <a:off x="4775280" y="979"/>
+          <a:ext cx="965039" cy="965039"/>
         </a:xfrm>
         <a:prstGeom prst="ellipse">
           <a:avLst/>
@@ -11757,8 +11863,8 @@
       </dsp:nvSpPr>
       <dsp:spPr>
         <a:xfrm>
-          <a:off x="4973254" y="212905"/>
-          <a:ext cx="569091" cy="569091"/>
+          <a:off x="4980944" y="206643"/>
+          <a:ext cx="553710" cy="553710"/>
         </a:xfrm>
         <a:prstGeom prst="rect">
           <a:avLst/>
@@ -11807,8 +11913,8 @@
       </dsp:nvSpPr>
       <dsp:spPr>
         <a:xfrm>
-          <a:off x="4444811" y="1302309"/>
-          <a:ext cx="1625976" cy="670715"/>
+          <a:off x="4466784" y="1266604"/>
+          <a:ext cx="1582031" cy="711914"/>
         </a:xfrm>
         <a:prstGeom prst="rect">
           <a:avLst/>
@@ -11839,7 +11945,7 @@
         <a:p>
           <a:pPr marL="0" lvl="0" indent="0" algn="ctr" defTabSz="488950">
             <a:lnSpc>
-              <a:spcPct val="90000"/>
+              <a:spcPct val="100000"/>
             </a:lnSpc>
             <a:spcBef>
               <a:spcPct val="0"/>
@@ -11858,7 +11964,7 @@
         <a:p>
           <a:pPr marL="0" lvl="0" indent="0" algn="ctr" defTabSz="488950">
             <a:lnSpc>
-              <a:spcPct val="90000"/>
+              <a:spcPct val="100000"/>
             </a:lnSpc>
             <a:spcBef>
               <a:spcPct val="0"/>
@@ -11876,8 +11982,8 @@
         </a:p>
       </dsp:txBody>
       <dsp:txXfrm>
-        <a:off x="4444811" y="1302309"/>
-        <a:ext cx="1625976" cy="670715"/>
+        <a:off x="4466784" y="1266604"/>
+        <a:ext cx="1582031" cy="711914"/>
       </dsp:txXfrm>
     </dsp:sp>
     <dsp:sp modelId="{1C6EBD5E-1F85-40A4-AB5B-B7D852BED2D9}">
@@ -11887,8 +11993,8 @@
       </dsp:nvSpPr>
       <dsp:spPr>
         <a:xfrm>
-          <a:off x="6672399" y="1528"/>
-          <a:ext cx="991845" cy="991845"/>
+          <a:off x="6634167" y="979"/>
+          <a:ext cx="965039" cy="965039"/>
         </a:xfrm>
         <a:prstGeom prst="ellipse">
           <a:avLst/>
@@ -11926,8 +12032,8 @@
       </dsp:nvSpPr>
       <dsp:spPr>
         <a:xfrm>
-          <a:off x="6883776" y="212905"/>
-          <a:ext cx="569091" cy="569091"/>
+          <a:off x="6839831" y="206643"/>
+          <a:ext cx="553710" cy="553710"/>
         </a:xfrm>
         <a:prstGeom prst="rect">
           <a:avLst/>
@@ -11976,8 +12082,8 @@
       </dsp:nvSpPr>
       <dsp:spPr>
         <a:xfrm>
-          <a:off x="6355334" y="1302309"/>
-          <a:ext cx="1625976" cy="670715"/>
+          <a:off x="6325671" y="1266604"/>
+          <a:ext cx="1582031" cy="711914"/>
         </a:xfrm>
         <a:prstGeom prst="rect">
           <a:avLst/>
@@ -12008,7 +12114,7 @@
         <a:p>
           <a:pPr marL="0" lvl="0" indent="0" algn="ctr" defTabSz="488950">
             <a:lnSpc>
-              <a:spcPct val="90000"/>
+              <a:spcPct val="100000"/>
             </a:lnSpc>
             <a:spcBef>
               <a:spcPct val="0"/>
@@ -12027,7 +12133,7 @@
         <a:p>
           <a:pPr marL="0" lvl="0" indent="0" algn="ctr" defTabSz="488950">
             <a:lnSpc>
-              <a:spcPct val="90000"/>
+              <a:spcPct val="100000"/>
             </a:lnSpc>
             <a:spcBef>
               <a:spcPct val="0"/>
@@ -12046,7 +12152,7 @@
         <a:p>
           <a:pPr marL="0" lvl="0" indent="0" algn="ctr" defTabSz="488950">
             <a:lnSpc>
-              <a:spcPct val="90000"/>
+              <a:spcPct val="100000"/>
             </a:lnSpc>
             <a:spcBef>
               <a:spcPct val="0"/>
@@ -12064,8 +12170,8 @@
         </a:p>
       </dsp:txBody>
       <dsp:txXfrm>
-        <a:off x="6355334" y="1302309"/>
-        <a:ext cx="1625976" cy="670715"/>
+        <a:off x="6325671" y="1266604"/>
+        <a:ext cx="1582031" cy="711914"/>
       </dsp:txXfrm>
     </dsp:sp>
     <dsp:sp modelId="{37BA5568-30C1-47AF-A6E3-A03D7320A43B}">
@@ -12075,8 +12181,8 @@
       </dsp:nvSpPr>
       <dsp:spPr>
         <a:xfrm>
-          <a:off x="8582922" y="1528"/>
-          <a:ext cx="991845" cy="991845"/>
+          <a:off x="8493053" y="979"/>
+          <a:ext cx="965039" cy="965039"/>
         </a:xfrm>
         <a:prstGeom prst="ellipse">
           <a:avLst/>
@@ -12114,8 +12220,8 @@
       </dsp:nvSpPr>
       <dsp:spPr>
         <a:xfrm>
-          <a:off x="8794299" y="212905"/>
-          <a:ext cx="569091" cy="569091"/>
+          <a:off x="8698717" y="206643"/>
+          <a:ext cx="553710" cy="553710"/>
         </a:xfrm>
         <a:prstGeom prst="rect">
           <a:avLst/>
@@ -12164,8 +12270,8 @@
       </dsp:nvSpPr>
       <dsp:spPr>
         <a:xfrm>
-          <a:off x="8265856" y="1302309"/>
-          <a:ext cx="1625976" cy="670715"/>
+          <a:off x="8184557" y="1266604"/>
+          <a:ext cx="1582031" cy="711914"/>
         </a:xfrm>
         <a:prstGeom prst="rect">
           <a:avLst/>
@@ -12196,7 +12302,7 @@
         <a:p>
           <a:pPr marL="0" lvl="0" indent="0" algn="ctr" defTabSz="488950">
             <a:lnSpc>
-              <a:spcPct val="90000"/>
+              <a:spcPct val="100000"/>
             </a:lnSpc>
             <a:spcBef>
               <a:spcPct val="0"/>
@@ -12215,7 +12321,7 @@
         <a:p>
           <a:pPr marL="0" lvl="0" indent="0" algn="ctr" defTabSz="488950">
             <a:lnSpc>
-              <a:spcPct val="90000"/>
+              <a:spcPct val="100000"/>
             </a:lnSpc>
             <a:spcBef>
               <a:spcPct val="0"/>
@@ -12233,8 +12339,8 @@
         </a:p>
       </dsp:txBody>
       <dsp:txXfrm>
-        <a:off x="8265856" y="1302309"/>
-        <a:ext cx="1625976" cy="670715"/>
+        <a:off x="8184557" y="1266604"/>
+        <a:ext cx="1582031" cy="711914"/>
       </dsp:txXfrm>
     </dsp:sp>
     <dsp:sp modelId="{E3E6D64E-2F24-444F-9C77-73DEE2A6716D}">
@@ -12244,8 +12350,8 @@
       </dsp:nvSpPr>
       <dsp:spPr>
         <a:xfrm>
-          <a:off x="2851354" y="2379519"/>
-          <a:ext cx="991845" cy="991845"/>
+          <a:off x="2916393" y="2374025"/>
+          <a:ext cx="965039" cy="965039"/>
         </a:xfrm>
         <a:prstGeom prst="ellipse">
           <a:avLst/>
@@ -12283,8 +12389,8 @@
       </dsp:nvSpPr>
       <dsp:spPr>
         <a:xfrm>
-          <a:off x="3062731" y="2590896"/>
-          <a:ext cx="569091" cy="569091"/>
+          <a:off x="3122057" y="2579689"/>
+          <a:ext cx="553710" cy="553710"/>
         </a:xfrm>
         <a:prstGeom prst="rect">
           <a:avLst/>
@@ -12333,8 +12439,8 @@
       </dsp:nvSpPr>
       <dsp:spPr>
         <a:xfrm>
-          <a:off x="2534289" y="3680300"/>
-          <a:ext cx="1625976" cy="670715"/>
+          <a:off x="2607897" y="3639650"/>
+          <a:ext cx="1582031" cy="711914"/>
         </a:xfrm>
         <a:prstGeom prst="rect">
           <a:avLst/>
@@ -12365,7 +12471,7 @@
         <a:p>
           <a:pPr marL="0" lvl="0" indent="0" algn="ctr" defTabSz="488950">
             <a:lnSpc>
-              <a:spcPct val="90000"/>
+              <a:spcPct val="100000"/>
             </a:lnSpc>
             <a:spcBef>
               <a:spcPct val="0"/>
@@ -12384,7 +12490,7 @@
         <a:p>
           <a:pPr marL="0" lvl="0" indent="0" algn="ctr" defTabSz="488950">
             <a:lnSpc>
-              <a:spcPct val="90000"/>
+              <a:spcPct val="100000"/>
             </a:lnSpc>
             <a:spcBef>
               <a:spcPct val="0"/>
@@ -12402,8 +12508,8 @@
         </a:p>
       </dsp:txBody>
       <dsp:txXfrm>
-        <a:off x="2534289" y="3680300"/>
-        <a:ext cx="1625976" cy="670715"/>
+        <a:off x="2607897" y="3639650"/>
+        <a:ext cx="1582031" cy="711914"/>
       </dsp:txXfrm>
     </dsp:sp>
     <dsp:sp modelId="{285B2F40-4720-485C-BB23-EEAEE568D00C}">
@@ -12413,8 +12519,8 @@
       </dsp:nvSpPr>
       <dsp:spPr>
         <a:xfrm>
-          <a:off x="4761877" y="2379519"/>
-          <a:ext cx="991845" cy="991845"/>
+          <a:off x="4775280" y="2374025"/>
+          <a:ext cx="965039" cy="965039"/>
         </a:xfrm>
         <a:prstGeom prst="ellipse">
           <a:avLst/>
@@ -12452,8 +12558,8 @@
       </dsp:nvSpPr>
       <dsp:spPr>
         <a:xfrm>
-          <a:off x="4973254" y="2590896"/>
-          <a:ext cx="569091" cy="569091"/>
+          <a:off x="4980944" y="2579689"/>
+          <a:ext cx="553710" cy="553710"/>
         </a:xfrm>
         <a:prstGeom prst="rect">
           <a:avLst/>
@@ -12502,8 +12608,8 @@
       </dsp:nvSpPr>
       <dsp:spPr>
         <a:xfrm>
-          <a:off x="4444811" y="3680300"/>
-          <a:ext cx="1625976" cy="670715"/>
+          <a:off x="4466784" y="3639650"/>
+          <a:ext cx="1582031" cy="711914"/>
         </a:xfrm>
         <a:prstGeom prst="rect">
           <a:avLst/>
@@ -12534,7 +12640,7 @@
         <a:p>
           <a:pPr marL="0" lvl="0" indent="0" algn="ctr" defTabSz="488950">
             <a:lnSpc>
-              <a:spcPct val="90000"/>
+              <a:spcPct val="100000"/>
             </a:lnSpc>
             <a:spcBef>
               <a:spcPct val="0"/>
@@ -12552,8 +12658,8 @@
         </a:p>
       </dsp:txBody>
       <dsp:txXfrm>
-        <a:off x="4444811" y="3680300"/>
-        <a:ext cx="1625976" cy="670715"/>
+        <a:off x="4466784" y="3639650"/>
+        <a:ext cx="1582031" cy="711914"/>
       </dsp:txXfrm>
     </dsp:sp>
     <dsp:sp modelId="{065BC08D-06EA-4254-8184-A2536DD0C671}">
@@ -12563,8 +12669,8 @@
       </dsp:nvSpPr>
       <dsp:spPr>
         <a:xfrm>
-          <a:off x="6672399" y="2379519"/>
-          <a:ext cx="991845" cy="991845"/>
+          <a:off x="6634167" y="2374025"/>
+          <a:ext cx="965039" cy="965039"/>
         </a:xfrm>
         <a:prstGeom prst="ellipse">
           <a:avLst/>
@@ -12602,8 +12708,8 @@
       </dsp:nvSpPr>
       <dsp:spPr>
         <a:xfrm>
-          <a:off x="6883776" y="2590896"/>
-          <a:ext cx="569091" cy="569091"/>
+          <a:off x="6839831" y="2579689"/>
+          <a:ext cx="553710" cy="553710"/>
         </a:xfrm>
         <a:prstGeom prst="rect">
           <a:avLst/>
@@ -12652,8 +12758,8 @@
       </dsp:nvSpPr>
       <dsp:spPr>
         <a:xfrm>
-          <a:off x="6355334" y="3680300"/>
-          <a:ext cx="1625976" cy="670715"/>
+          <a:off x="6325671" y="3639650"/>
+          <a:ext cx="1582031" cy="711914"/>
         </a:xfrm>
         <a:prstGeom prst="rect">
           <a:avLst/>
@@ -12684,7 +12790,7 @@
         <a:p>
           <a:pPr marL="0" lvl="0" indent="0" algn="ctr" defTabSz="488950">
             <a:lnSpc>
-              <a:spcPct val="90000"/>
+              <a:spcPct val="100000"/>
             </a:lnSpc>
             <a:spcBef>
               <a:spcPct val="0"/>
@@ -12702,8 +12808,8 @@
         </a:p>
       </dsp:txBody>
       <dsp:txXfrm>
-        <a:off x="6355334" y="3680300"/>
-        <a:ext cx="1625976" cy="670715"/>
+        <a:off x="6325671" y="3639650"/>
+        <a:ext cx="1582031" cy="711914"/>
       </dsp:txXfrm>
     </dsp:sp>
   </dsp:spTree>
@@ -24554,7 +24660,7 @@
         </p:blipFill>
         <p:spPr bwMode="auto">
           <a:xfrm>
-            <a:off x="1599189" y="2482893"/>
+            <a:off x="1608616" y="2482893"/>
             <a:ext cx="1037395" cy="580941"/>
           </a:xfrm>
           <a:prstGeom prst="rect">
@@ -28034,7 +28140,7 @@
             <p:ph idx="1"/>
             <p:extLst>
               <p:ext uri="{D42A27DB-BD31-4B8C-83A1-F6EECF244321}">
-                <p14:modId xmlns:p14="http://schemas.microsoft.com/office/powerpoint/2010/main" val="2173642590"/>
+                <p14:modId xmlns:p14="http://schemas.microsoft.com/office/powerpoint/2010/main" val="2803130585"/>
               </p:ext>
             </p:extLst>
           </p:nvPr>
@@ -31997,7 +32103,7 @@
         </p:spPr>
         <p:txBody>
           <a:bodyPr vert="horz" lIns="91440" tIns="45720" rIns="91440" bIns="45720" rtlCol="0">
-            <a:normAutofit lnSpcReduction="10000"/>
+            <a:normAutofit fontScale="92500" lnSpcReduction="20000"/>
           </a:bodyPr>
           <a:lstStyle/>
           <a:p>
@@ -32018,7 +32124,7 @@
                   <a:srgbClr val="FFFFFF"/>
                 </a:solidFill>
               </a:rPr>
-              <a:t>Model View Presenter (MVP)</a:t>
+              <a:t>Model View Controller (MVC)</a:t>
             </a:r>
           </a:p>
           <a:p>
@@ -32028,29 +32134,7 @@
                   <a:srgbClr val="FFFFFF"/>
                 </a:solidFill>
               </a:rPr>
-              <a:t>Database design</a:t>
-            </a:r>
-          </a:p>
-          <a:p>
-            <a:pPr lvl="1"/>
-            <a:r>
-              <a:rPr lang="en-US" sz="1700" dirty="0">
-                <a:solidFill>
-                  <a:srgbClr val="FFFFFF"/>
-                </a:solidFill>
-              </a:rPr>
-              <a:t>User account setup</a:t>
-            </a:r>
-          </a:p>
-          <a:p>
-            <a:pPr lvl="1"/>
-            <a:r>
-              <a:rPr lang="en-US" sz="1700" dirty="0">
-                <a:solidFill>
-                  <a:srgbClr val="FFFFFF"/>
-                </a:solidFill>
-              </a:rPr>
-              <a:t>Stock trading basic schema</a:t>
+              <a:t>Splits responsibility of program into parts.</a:t>
             </a:r>
           </a:p>
           <a:p>
@@ -32060,7 +32144,7 @@
                   <a:srgbClr val="FFFFFF"/>
                 </a:solidFill>
               </a:rPr>
-              <a:t>Front-end website with basic navigation bar</a:t>
+              <a:t>Business Logic of OOP stays in main python program</a:t>
             </a:r>
           </a:p>
           <a:p>
@@ -32070,7 +32154,7 @@
                   <a:srgbClr val="FFFFFF"/>
                 </a:solidFill>
               </a:rPr>
-              <a:t>User Log In &amp; Session Setting – Flask Login Manager</a:t>
+              <a:t>The Website and be worked on separately than the main python codebase. The SQL logic can be worked on separately from the website or controller program. </a:t>
             </a:r>
           </a:p>
         </p:txBody>
@@ -32167,8 +32251,15 @@
           <a:p>
             <a:pPr algn="ctr"/>
             <a:r>
-              <a:rPr lang="en-US"/>
+              <a:rPr lang="en-US" dirty="0"/>
               <a:t>Website</a:t>
+            </a:r>
+          </a:p>
+          <a:p>
+            <a:pPr algn="ctr"/>
+            <a:r>
+              <a:rPr lang="en-US" dirty="0"/>
+              <a:t>(HTML + CSS)</a:t>
             </a:r>
           </a:p>
         </p:txBody>
@@ -32187,7 +32278,7 @@
         </p:nvSpPr>
         <p:spPr>
           <a:xfrm>
-            <a:off x="5032823" y="2756521"/>
+            <a:off x="5040122" y="3211375"/>
             <a:ext cx="2379406" cy="1465006"/>
           </a:xfrm>
           <a:prstGeom prst="rect">
@@ -32219,8 +32310,15 @@
           <a:p>
             <a:pPr algn="ctr"/>
             <a:r>
-              <a:rPr lang="en-US"/>
+              <a:rPr lang="en-US" dirty="0"/>
               <a:t>“Main” Python Program</a:t>
+            </a:r>
+            <a:br>
+              <a:rPr lang="en-US" dirty="0"/>
+            </a:br>
+            <a:r>
+              <a:rPr lang="en-US" dirty="0"/>
+              <a:t>(Python)</a:t>
             </a:r>
           </a:p>
         </p:txBody>
@@ -32239,8 +32337,8 @@
         </p:nvSpPr>
         <p:spPr>
           <a:xfrm>
-            <a:off x="7251003" y="5282042"/>
-            <a:ext cx="2379406" cy="1465006"/>
+            <a:off x="9863930" y="5517531"/>
+            <a:ext cx="2145885" cy="1292961"/>
           </a:xfrm>
           <a:prstGeom prst="rect">
             <a:avLst/>
@@ -32271,8 +32369,15 @@
           <a:p>
             <a:pPr algn="ctr"/>
             <a:r>
-              <a:rPr lang="en-US"/>
+              <a:rPr lang="en-US" dirty="0"/>
               <a:t>Database</a:t>
+            </a:r>
+            <a:br>
+              <a:rPr lang="en-US" dirty="0"/>
+            </a:br>
+            <a:r>
+              <a:rPr lang="en-US" dirty="0"/>
+              <a:t>(SQL)</a:t>
             </a:r>
           </a:p>
         </p:txBody>
@@ -32324,8 +32429,8 @@
         </p:nvCxnSpPr>
         <p:spPr>
           <a:xfrm flipH="1" flipV="1">
-            <a:off x="1747625" y="5748412"/>
-            <a:ext cx="5503378" cy="266133"/>
+            <a:off x="1856458" y="5782100"/>
+            <a:ext cx="8007472" cy="381912"/>
           </a:xfrm>
           <a:prstGeom prst="straightConnector1">
             <a:avLst/>
@@ -32366,8 +32471,8 @@
         </p:nvCxnSpPr>
         <p:spPr>
           <a:xfrm flipH="1">
-            <a:off x="1574276" y="3489024"/>
-            <a:ext cx="3458547" cy="2629141"/>
+            <a:off x="1602557" y="3943878"/>
+            <a:ext cx="3437565" cy="2174287"/>
           </a:xfrm>
           <a:prstGeom prst="straightConnector1">
             <a:avLst/>
@@ -33730,8 +33835,8 @@
           <a:lstStyle/>
           <a:p>
             <a:r>
-              <a:rPr lang="en-US"/>
-              <a:t>Kickoff – Environment Setup </a:t>
+              <a:rPr lang="en-US" dirty="0"/>
+              <a:t>Kickoff – Environment Setup - Tasks</a:t>
             </a:r>
           </a:p>
         </p:txBody>
@@ -33764,13 +33869,13 @@
               <a:buChar char="•"/>
             </a:pPr>
             <a:r>
-              <a:rPr lang="en-US" b="1" i="0">
+              <a:rPr lang="en-US" b="1" i="0" dirty="0">
                 <a:effectLst/>
                 <a:latin typeface="-apple-system"/>
               </a:rPr>
               <a:t>User DB Table Setup</a:t>
             </a:r>
-            <a:endParaRPr lang="en-US" b="0" i="0">
+            <a:endParaRPr lang="en-US" b="0" i="0" dirty="0">
               <a:effectLst/>
               <a:latin typeface="-apple-system"/>
             </a:endParaRPr>
@@ -33781,7 +33886,7 @@
               <a:buChar char="•"/>
             </a:pPr>
             <a:r>
-              <a:rPr lang="en-US" b="0" i="0">
+              <a:rPr lang="en-US" b="0" i="0" dirty="0">
                 <a:effectLst/>
                 <a:latin typeface="-apple-system"/>
               </a:rPr>
@@ -33794,13 +33899,13 @@
               <a:buChar char="•"/>
             </a:pPr>
             <a:r>
-              <a:rPr lang="en-US" b="1" i="0">
+              <a:rPr lang="en-US" b="1" i="0" dirty="0">
                 <a:effectLst/>
                 <a:latin typeface="-apple-system"/>
               </a:rPr>
               <a:t>Stock Trade DB Table Design and Setup</a:t>
             </a:r>
-            <a:endParaRPr lang="en-US" b="0" i="0">
+            <a:endParaRPr lang="en-US" b="0" i="0" dirty="0">
               <a:effectLst/>
               <a:latin typeface="-apple-system"/>
             </a:endParaRPr>
@@ -33811,21 +33916,21 @@
               <a:buChar char="•"/>
             </a:pPr>
             <a:r>
-              <a:rPr lang="en-US" b="0" i="0">
+              <a:rPr lang="en-US" b="0" i="0" dirty="0">
                 <a:effectLst/>
                 <a:latin typeface="-apple-system"/>
               </a:rPr>
               <a:t>Stock Schema: stock (id, ticker, </a:t>
             </a:r>
             <a:r>
-              <a:rPr lang="en-US" b="0" i="0" err="1">
+              <a:rPr lang="en-US" b="0" i="0" dirty="0" err="1">
                 <a:effectLst/>
                 <a:latin typeface="-apple-system"/>
               </a:rPr>
               <a:t>full_name</a:t>
             </a:r>
             <a:r>
-              <a:rPr lang="en-US" b="0" i="0">
+              <a:rPr lang="en-US" b="0" i="0" dirty="0">
                 <a:effectLst/>
                 <a:latin typeface="-apple-system"/>
               </a:rPr>
@@ -33838,7 +33943,7 @@
               <a:buChar char="•"/>
             </a:pPr>
             <a:r>
-              <a:rPr lang="en-US" b="0" i="0">
+              <a:rPr lang="en-US" b="0" i="0" dirty="0">
                 <a:effectLst/>
                 <a:latin typeface="-apple-system"/>
               </a:rPr>
@@ -33851,63 +33956,63 @@
               <a:buChar char="•"/>
             </a:pPr>
             <a:r>
-              <a:rPr lang="en-US" b="0" i="0">
+              <a:rPr lang="en-US" b="0" i="0" dirty="0">
                 <a:effectLst/>
                 <a:latin typeface="-apple-system"/>
               </a:rPr>
               <a:t>purchase (id, </a:t>
             </a:r>
             <a:r>
-              <a:rPr lang="en-US" b="0" i="0" err="1">
+              <a:rPr lang="en-US" b="0" i="0" dirty="0" err="1">
                 <a:effectLst/>
                 <a:latin typeface="-apple-system"/>
               </a:rPr>
               <a:t>user_id</a:t>
             </a:r>
             <a:r>
-              <a:rPr lang="en-US" b="0" i="0">
+              <a:rPr lang="en-US" b="0" i="0" dirty="0">
                 <a:effectLst/>
                 <a:latin typeface="-apple-system"/>
               </a:rPr>
               <a:t>, </a:t>
             </a:r>
             <a:r>
-              <a:rPr lang="en-US" b="0" i="0" err="1">
+              <a:rPr lang="en-US" b="0" i="0" dirty="0" err="1">
                 <a:effectLst/>
                 <a:latin typeface="-apple-system"/>
               </a:rPr>
               <a:t>stock_id</a:t>
             </a:r>
             <a:r>
-              <a:rPr lang="en-US" b="0" i="0">
+              <a:rPr lang="en-US" b="0" i="0" dirty="0">
                 <a:effectLst/>
                 <a:latin typeface="-apple-system"/>
               </a:rPr>
               <a:t>, price, datetime, </a:t>
             </a:r>
             <a:r>
-              <a:rPr lang="en-US" b="0" i="0" err="1">
+              <a:rPr lang="en-US" b="0" i="0" dirty="0" err="1">
                 <a:effectLst/>
                 <a:latin typeface="-apple-system"/>
               </a:rPr>
               <a:t>fulfilled_by_id</a:t>
             </a:r>
             <a:r>
-              <a:rPr lang="en-US" b="0" i="0">
+              <a:rPr lang="en-US" b="0" i="0" dirty="0">
                 <a:effectLst/>
                 <a:latin typeface="-apple-system"/>
               </a:rPr>
               <a:t>, </a:t>
             </a:r>
             <a:r>
-              <a:rPr lang="en-US" b="0" i="0" err="1">
+              <a:rPr lang="en-US" b="0" i="0" dirty="0" err="1">
                 <a:effectLst/>
                 <a:latin typeface="-apple-system"/>
               </a:rPr>
               <a:t>is_canceled</a:t>
             </a:r>
             <a:r>
-              <a:rPr lang="en-US" b="0" i="0">
+              <a:rPr lang="en-US" b="0" i="0" dirty="0">
                 <a:effectLst/>
                 <a:latin typeface="-apple-system"/>
               </a:rPr>
@@ -33920,63 +34025,63 @@
               <a:buChar char="•"/>
             </a:pPr>
             <a:r>
-              <a:rPr lang="en-US" b="0" i="0">
+              <a:rPr lang="en-US" b="0" i="0" dirty="0">
                 <a:effectLst/>
                 <a:latin typeface="-apple-system"/>
               </a:rPr>
               <a:t>sell (id, </a:t>
             </a:r>
             <a:r>
-              <a:rPr lang="en-US" b="0" i="0" err="1">
+              <a:rPr lang="en-US" b="0" i="0" dirty="0" err="1">
                 <a:effectLst/>
                 <a:latin typeface="-apple-system"/>
               </a:rPr>
               <a:t>user_id</a:t>
             </a:r>
             <a:r>
-              <a:rPr lang="en-US" b="0" i="0">
+              <a:rPr lang="en-US" b="0" i="0" dirty="0">
                 <a:effectLst/>
                 <a:latin typeface="-apple-system"/>
               </a:rPr>
               <a:t>, </a:t>
             </a:r>
             <a:r>
-              <a:rPr lang="en-US" b="0" i="0" err="1">
+              <a:rPr lang="en-US" b="0" i="0" dirty="0" err="1">
                 <a:effectLst/>
                 <a:latin typeface="-apple-system"/>
               </a:rPr>
               <a:t>stock_id</a:t>
             </a:r>
             <a:r>
-              <a:rPr lang="en-US" b="0" i="0">
+              <a:rPr lang="en-US" b="0" i="0" dirty="0">
                 <a:effectLst/>
                 <a:latin typeface="-apple-system"/>
               </a:rPr>
               <a:t>, price, datetime, </a:t>
             </a:r>
             <a:r>
-              <a:rPr lang="en-US" b="0" i="0" err="1">
+              <a:rPr lang="en-US" b="0" i="0" dirty="0" err="1">
                 <a:effectLst/>
                 <a:latin typeface="-apple-system"/>
               </a:rPr>
               <a:t>fulfilled_by_id</a:t>
             </a:r>
             <a:r>
-              <a:rPr lang="en-US" b="0" i="0">
+              <a:rPr lang="en-US" b="0" i="0" dirty="0">
                 <a:effectLst/>
                 <a:latin typeface="-apple-system"/>
               </a:rPr>
               <a:t>, </a:t>
             </a:r>
             <a:r>
-              <a:rPr lang="en-US" b="0" i="0" err="1">
+              <a:rPr lang="en-US" b="0" i="0" dirty="0" err="1">
                 <a:effectLst/>
                 <a:latin typeface="-apple-system"/>
               </a:rPr>
               <a:t>is_canceled</a:t>
             </a:r>
             <a:r>
-              <a:rPr lang="en-US" b="0" i="0">
+              <a:rPr lang="en-US" b="0" i="0" dirty="0">
                 <a:effectLst/>
                 <a:latin typeface="-apple-system"/>
               </a:rPr>
@@ -33989,13 +34094,13 @@
               <a:buChar char="•"/>
             </a:pPr>
             <a:r>
-              <a:rPr lang="en-US" b="1" i="0">
+              <a:rPr lang="en-US" b="1" i="0" dirty="0">
                 <a:effectLst/>
                 <a:latin typeface="-apple-system"/>
               </a:rPr>
               <a:t>User Authentication</a:t>
             </a:r>
-            <a:endParaRPr lang="en-US" b="0" i="0">
+            <a:endParaRPr lang="en-US" b="0" i="0" dirty="0">
               <a:effectLst/>
               <a:latin typeface="-apple-system"/>
             </a:endParaRPr>
@@ -34006,7 +34111,7 @@
               <a:buChar char="•"/>
             </a:pPr>
             <a:r>
-              <a:rPr lang="en-US" b="0" i="0">
+              <a:rPr lang="en-US" b="0" i="0" dirty="0">
                 <a:effectLst/>
                 <a:latin typeface="-apple-system"/>
               </a:rPr>
@@ -34019,7 +34124,7 @@
               <a:buChar char="•"/>
             </a:pPr>
             <a:r>
-              <a:rPr lang="en-US" b="0" i="0">
+              <a:rPr lang="en-US" b="0" i="0" dirty="0">
                 <a:effectLst/>
                 <a:latin typeface="-apple-system"/>
               </a:rPr>
@@ -34032,13 +34137,13 @@
               <a:buChar char="•"/>
             </a:pPr>
             <a:r>
-              <a:rPr lang="en-US" b="1" i="0">
+              <a:rPr lang="en-US" b="1" i="0" dirty="0">
                 <a:effectLst/>
                 <a:latin typeface="-apple-system"/>
               </a:rPr>
               <a:t>Navigation Setup</a:t>
             </a:r>
-            <a:endParaRPr lang="en-US" b="0" i="0">
+            <a:endParaRPr lang="en-US" b="0" i="0" dirty="0">
               <a:effectLst/>
               <a:latin typeface="-apple-system"/>
             </a:endParaRPr>
@@ -34049,26 +34154,26 @@
               <a:buChar char="•"/>
             </a:pPr>
             <a:r>
-              <a:rPr lang="en-US" b="0" i="0">
+              <a:rPr lang="en-US" b="0" i="0" dirty="0">
                 <a:effectLst/>
                 <a:latin typeface="-apple-system"/>
               </a:rPr>
               <a:t>Page tabs: </a:t>
             </a:r>
             <a:r>
-              <a:rPr lang="en-US" b="1" i="0">
+              <a:rPr lang="en-US" b="1" i="0" dirty="0">
                 <a:effectLst/>
                 <a:latin typeface="-apple-system"/>
               </a:rPr>
               <a:t>Main, Sell, Buy, Info</a:t>
             </a:r>
-            <a:endParaRPr lang="en-US" b="0" i="0">
+            <a:endParaRPr lang="en-US" b="0" i="0" dirty="0">
               <a:effectLst/>
               <a:latin typeface="-apple-system"/>
             </a:endParaRPr>
           </a:p>
           <a:p>
-            <a:endParaRPr lang="en-US"/>
+            <a:endParaRPr lang="en-US" dirty="0"/>
           </a:p>
         </p:txBody>
       </p:sp>
